--- a/SmartCrowd.pptx
+++ b/SmartCrowd.pptx
@@ -10,9 +10,11 @@
     <p:sldId id="257" r:id="rId4"/>
     <p:sldId id="262" r:id="rId5"/>
     <p:sldId id="261" r:id="rId6"/>
-    <p:sldId id="264" r:id="rId7"/>
-    <p:sldId id="265" r:id="rId8"/>
-    <p:sldId id="260" r:id="rId9"/>
+    <p:sldId id="267" r:id="rId7"/>
+    <p:sldId id="264" r:id="rId8"/>
+    <p:sldId id="265" r:id="rId9"/>
+    <p:sldId id="266" r:id="rId10"/>
+    <p:sldId id="260" r:id="rId11"/>
   </p:sldIdLst>
   <p:sldSz cx="12192000" cy="6858000"/>
   <p:notesSz cx="6858000" cy="9144000"/>
@@ -111,6 +113,11 @@
       </a:defRPr>
     </a:lvl9pPr>
   </p:defaultTextStyle>
+  <p:extLst>
+    <p:ext uri="{EFAFB233-063F-42B5-8137-9DF3F51BA10A}">
+      <p15:sldGuideLst xmlns:p15="http://schemas.microsoft.com/office/powerpoint/2012/main"/>
+    </p:ext>
+  </p:extLst>
 </p:presentation>
 </file>
 
@@ -277,7 +284,7 @@
           <a:p>
             <a:fld id="{1160EA64-D806-43AC-9DF2-F8C432F32B4C}" type="datetimeFigureOut">
               <a:rPr lang="en-US" dirty="0"/>
-              <a:t>2/7/2019</a:t>
+              <a:t>2/11/2019</a:t>
             </a:fld>
             <a:endParaRPr lang="en-US" dirty="0"/>
           </a:p>
@@ -443,7 +450,7 @@
           <a:p>
             <a:fld id="{E9F9C37B-1D36-470B-8223-D6C91242EC14}" type="datetimeFigureOut">
               <a:rPr lang="en-US" dirty="0"/>
-              <a:t>2/7/2019</a:t>
+              <a:t>2/11/2019</a:t>
             </a:fld>
             <a:endParaRPr lang="en-US" dirty="0"/>
           </a:p>
@@ -618,7 +625,7 @@
           <a:p>
             <a:fld id="{67C6F52A-A82B-47A2-A83A-8C4C91F2D59F}" type="datetimeFigureOut">
               <a:rPr lang="en-US" dirty="0"/>
-              <a:t>2/7/2019</a:t>
+              <a:t>2/11/2019</a:t>
             </a:fld>
             <a:endParaRPr lang="en-US" dirty="0"/>
           </a:p>
@@ -783,7 +790,7 @@
           <a:p>
             <a:fld id="{F070A7B3-6521-4DCA-87E5-044747A908C1}" type="datetimeFigureOut">
               <a:rPr lang="en-US" dirty="0"/>
-              <a:t>2/7/2019</a:t>
+              <a:t>2/11/2019</a:t>
             </a:fld>
             <a:endParaRPr lang="en-US" dirty="0"/>
           </a:p>
@@ -1047,7 +1054,7 @@
           <a:p>
             <a:fld id="{1160EA64-D806-43AC-9DF2-F8C432F32B4C}" type="datetimeFigureOut">
               <a:rPr lang="en-US" dirty="0"/>
-              <a:t>2/7/2019</a:t>
+              <a:t>2/11/2019</a:t>
             </a:fld>
             <a:endParaRPr lang="en-US" dirty="0"/>
           </a:p>
@@ -1275,7 +1282,7 @@
           <a:p>
             <a:fld id="{AB134690-1557-4C89-A502-4959FE7FAD70}" type="datetimeFigureOut">
               <a:rPr lang="en-US" dirty="0"/>
-              <a:t>2/7/2019</a:t>
+              <a:t>2/11/2019</a:t>
             </a:fld>
             <a:endParaRPr lang="en-US" dirty="0"/>
           </a:p>
@@ -1625,7 +1632,7 @@
           <a:p>
             <a:fld id="{4F7D4976-E339-4826-83B7-FBD03F55ECF8}" type="datetimeFigureOut">
               <a:rPr lang="en-US" dirty="0"/>
-              <a:t>2/7/2019</a:t>
+              <a:t>2/11/2019</a:t>
             </a:fld>
             <a:endParaRPr lang="en-US" dirty="0"/>
           </a:p>
@@ -1761,7 +1768,7 @@
           <a:p>
             <a:fld id="{E1037C31-9E7A-4F99-8774-A0E530DE1A42}" type="datetimeFigureOut">
               <a:rPr lang="en-US" dirty="0"/>
-              <a:t>2/7/2019</a:t>
+              <a:t>2/11/2019</a:t>
             </a:fld>
             <a:endParaRPr lang="en-US" dirty="0"/>
           </a:p>
@@ -1851,7 +1858,7 @@
           <a:p>
             <a:fld id="{C278504F-A551-4DE0-9316-4DCD1D8CC752}" type="datetimeFigureOut">
               <a:rPr lang="en-US" dirty="0"/>
-              <a:t>2/7/2019</a:t>
+              <a:t>2/11/2019</a:t>
             </a:fld>
             <a:endParaRPr lang="en-US" dirty="0"/>
           </a:p>
@@ -2203,7 +2210,7 @@
           <a:p>
             <a:fld id="{1160EA64-D806-43AC-9DF2-F8C432F32B4C}" type="datetimeFigureOut">
               <a:rPr lang="en-US" dirty="0"/>
-              <a:t>2/7/2019</a:t>
+              <a:t>2/11/2019</a:t>
             </a:fld>
             <a:endParaRPr lang="en-US" dirty="0"/>
           </a:p>
@@ -2556,7 +2563,7 @@
             <a:fld id="{1160EA64-D806-43AC-9DF2-F8C432F32B4C}" type="datetimeFigureOut">
               <a:rPr lang="en-US" dirty="0"/>
               <a:pPr/>
-              <a:t>2/7/2019</a:t>
+              <a:t>2/11/2019</a:t>
             </a:fld>
             <a:endParaRPr lang="en-US" dirty="0"/>
           </a:p>
@@ -2791,7 +2798,7 @@
           <a:p>
             <a:fld id="{1160EA64-D806-43AC-9DF2-F8C432F32B4C}" type="datetimeFigureOut">
               <a:rPr lang="en-US" dirty="0"/>
-              <a:t>2/7/2019</a:t>
+              <a:t>2/11/2019</a:t>
             </a:fld>
             <a:endParaRPr lang="en-US" dirty="0"/>
           </a:p>
@@ -3311,6 +3318,132 @@
 </p:sld>
 </file>
 
+<file path=ppt/slides/slide10.xml><?xml version="1.0" encoding="utf-8"?>
+<p:sld xmlns:a="http://schemas.openxmlformats.org/drawingml/2006/main" xmlns:r="http://schemas.openxmlformats.org/officeDocument/2006/relationships" xmlns:p="http://schemas.openxmlformats.org/presentationml/2006/main">
+  <p:cSld>
+    <p:spTree>
+      <p:nvGrpSpPr>
+        <p:cNvPr id="1" name=""/>
+        <p:cNvGrpSpPr/>
+        <p:nvPr/>
+      </p:nvGrpSpPr>
+      <p:grpSpPr>
+        <a:xfrm>
+          <a:off x="0" y="0"/>
+          <a:ext cx="0" cy="0"/>
+          <a:chOff x="0" y="0"/>
+          <a:chExt cx="0" cy="0"/>
+        </a:xfrm>
+      </p:grpSpPr>
+      <p:sp>
+        <p:nvSpPr>
+          <p:cNvPr id="2" name="Titolo 1">
+            <a:extLst>
+              <a:ext uri="{FF2B5EF4-FFF2-40B4-BE49-F238E27FC236}">
+                <a16:creationId xmlns:a16="http://schemas.microsoft.com/office/drawing/2014/main" id="{D7918F1D-06EC-43D5-BEA0-1BFFD2FFA78F}"/>
+              </a:ext>
+            </a:extLst>
+          </p:cNvPr>
+          <p:cNvSpPr>
+            <a:spLocks noGrp="1"/>
+          </p:cNvSpPr>
+          <p:nvPr>
+            <p:ph type="title"/>
+          </p:nvPr>
+        </p:nvSpPr>
+        <p:spPr>
+          <a:xfrm>
+            <a:off x="2231136" y="889191"/>
+            <a:ext cx="7729728" cy="1188720"/>
+          </a:xfrm>
+        </p:spPr>
+        <p:txBody>
+          <a:bodyPr>
+            <a:normAutofit/>
+          </a:bodyPr>
+          <a:lstStyle/>
+          <a:p>
+            <a:r>
+              <a:rPr lang="it-IT" sz="5400" dirty="0"/>
+              <a:t>Sviluppi Futuri</a:t>
+            </a:r>
+          </a:p>
+        </p:txBody>
+      </p:sp>
+      <p:sp>
+        <p:nvSpPr>
+          <p:cNvPr id="3" name="Segnaposto contenuto 2">
+            <a:extLst>
+              <a:ext uri="{FF2B5EF4-FFF2-40B4-BE49-F238E27FC236}">
+                <a16:creationId xmlns:a16="http://schemas.microsoft.com/office/drawing/2014/main" id="{EC415B69-0B77-40A2-850E-68002081B8AF}"/>
+              </a:ext>
+            </a:extLst>
+          </p:cNvPr>
+          <p:cNvSpPr>
+            <a:spLocks noGrp="1"/>
+          </p:cNvSpPr>
+          <p:nvPr>
+            <p:ph idx="1"/>
+          </p:nvPr>
+        </p:nvSpPr>
+        <p:spPr>
+          <a:xfrm>
+            <a:off x="2231136" y="2638044"/>
+            <a:ext cx="7729728" cy="3101983"/>
+          </a:xfrm>
+        </p:spPr>
+        <p:txBody>
+          <a:bodyPr>
+            <a:normAutofit/>
+          </a:bodyPr>
+          <a:lstStyle/>
+          <a:p>
+            <a:r>
+              <a:rPr lang="it-IT" dirty="0"/>
+              <a:t>Popolare un Database Web con i vari dispositivi conosciuti dalla rete.</a:t>
+            </a:r>
+          </a:p>
+          <a:p>
+            <a:r>
+              <a:rPr lang="it-IT" dirty="0"/>
+              <a:t>Disaccoppiarsi da </a:t>
+            </a:r>
+            <a:r>
+              <a:rPr lang="it-IT" dirty="0" err="1"/>
+              <a:t>CloudMQTT</a:t>
+            </a:r>
+            <a:r>
+              <a:rPr lang="it-IT" dirty="0"/>
+              <a:t> per offrire un servizio indipendente.</a:t>
+            </a:r>
+          </a:p>
+          <a:p>
+            <a:r>
+              <a:rPr lang="it-IT" dirty="0"/>
+              <a:t>Contrattare con i vari ambienti un metodo più efficace per accedere alla quantità di utenti connessi / presenti in una determinata area.</a:t>
+            </a:r>
+          </a:p>
+          <a:p>
+            <a:r>
+              <a:rPr lang="it-IT" dirty="0"/>
+              <a:t>Estendere il prodotto a vari ambienti come sale d’attesa, barbieri, dentisti, centri commerciali, fiere, hotel, pub, ristoranti e altro</a:t>
+            </a:r>
+          </a:p>
+        </p:txBody>
+      </p:sp>
+    </p:spTree>
+    <p:extLst>
+      <p:ext uri="{BB962C8B-B14F-4D97-AF65-F5344CB8AC3E}">
+        <p14:creationId xmlns:p14="http://schemas.microsoft.com/office/powerpoint/2010/main" val="2379841801"/>
+      </p:ext>
+    </p:extLst>
+  </p:cSld>
+  <p:clrMapOvr>
+    <a:masterClrMapping/>
+  </p:clrMapOvr>
+</p:sld>
+</file>
+
 <file path=ppt/slides/slide2.xml><?xml version="1.0" encoding="utf-8"?>
 <p:sld xmlns:a="http://schemas.openxmlformats.org/drawingml/2006/main" xmlns:r="http://schemas.openxmlformats.org/officeDocument/2006/relationships" xmlns:p="http://schemas.openxmlformats.org/presentationml/2006/main">
   <p:cSld>
@@ -4345,7 +4478,7 @@
           <p:cNvPr id="2" name="Titolo 1">
             <a:extLst>
               <a:ext uri="{FF2B5EF4-FFF2-40B4-BE49-F238E27FC236}">
-                <a16:creationId xmlns:a16="http://schemas.microsoft.com/office/drawing/2014/main" id="{E602E8AA-5313-4B72-82F2-46368A7019F9}"/>
+                <a16:creationId xmlns:a16="http://schemas.microsoft.com/office/drawing/2014/main" id="{09DBC294-C9E6-42E1-B6A3-F7224518CB75}"/>
               </a:ext>
             </a:extLst>
           </p:cNvPr>
@@ -4364,96 +4497,79 @@
           <a:lstStyle/>
           <a:p>
             <a:r>
-              <a:rPr lang="it-IT" sz="5400" dirty="0"/>
-              <a:t>BROKER</a:t>
-            </a:r>
-          </a:p>
-        </p:txBody>
-      </p:sp>
-      <p:sp>
-        <p:nvSpPr>
-          <p:cNvPr id="3" name="Segnaposto contenuto 2">
+              <a:rPr lang="it-IT" sz="4000" dirty="0" err="1"/>
+              <a:t>Snippet</a:t>
+            </a:r>
+            <a:r>
+              <a:rPr lang="it-IT" sz="4000" dirty="0"/>
+              <a:t> DEL Publisher</a:t>
+            </a:r>
+          </a:p>
+        </p:txBody>
+      </p:sp>
+      <p:pic>
+        <p:nvPicPr>
+          <p:cNvPr id="6" name="Segnaposto contenuto 5">
             <a:extLst>
               <a:ext uri="{FF2B5EF4-FFF2-40B4-BE49-F238E27FC236}">
-                <a16:creationId xmlns:a16="http://schemas.microsoft.com/office/drawing/2014/main" id="{D5D4FED9-AE98-4CE4-8054-271B94AF0E05}"/>
+                <a16:creationId xmlns:a16="http://schemas.microsoft.com/office/drawing/2014/main" id="{0CA1D37C-7BFB-4A11-8D8B-4B45FAB18037}"/>
               </a:ext>
             </a:extLst>
           </p:cNvPr>
-          <p:cNvSpPr>
-            <a:spLocks noGrp="1"/>
-          </p:cNvSpPr>
+          <p:cNvPicPr>
+            <a:picLocks noGrp="1" noChangeAspect="1"/>
+          </p:cNvPicPr>
           <p:nvPr>
             <p:ph idx="1"/>
           </p:nvPr>
-        </p:nvSpPr>
-        <p:spPr/>
-        <p:txBody>
-          <a:bodyPr/>
-          <a:lstStyle/>
-          <a:p>
-            <a:r>
-              <a:rPr lang="it-IT" dirty="0"/>
-              <a:t>È stato utilizzato, un Broker MQTT di terze parti, </a:t>
-            </a:r>
-            <a:r>
-              <a:rPr lang="it-IT" dirty="0" err="1"/>
-              <a:t>CloudMQTT</a:t>
-            </a:r>
-            <a:r>
-              <a:rPr lang="it-IT" dirty="0"/>
-              <a:t>.</a:t>
-            </a:r>
-          </a:p>
-          <a:p>
-            <a:r>
-              <a:rPr lang="it-IT" dirty="0"/>
-              <a:t>Esso utilizza un’istanza di </a:t>
-            </a:r>
-            <a:r>
-              <a:rPr lang="it-IT" dirty="0" err="1"/>
-              <a:t>Mosquitto</a:t>
-            </a:r>
-            <a:r>
-              <a:rPr lang="it-IT" dirty="0"/>
-              <a:t> su di un server </a:t>
-            </a:r>
-            <a:r>
-              <a:rPr lang="it-IT" dirty="0" err="1"/>
-              <a:t>AmazonWS</a:t>
-            </a:r>
-            <a:r>
-              <a:rPr lang="it-IT" dirty="0"/>
-              <a:t>.</a:t>
-            </a:r>
-          </a:p>
-          <a:p>
-            <a:r>
-              <a:rPr lang="it-IT" dirty="0"/>
-              <a:t>Esso permette l’accesso ad un massimo di 5 utenti nella sua versione gratuita e ha una banda limitata, utile come </a:t>
-            </a:r>
-            <a:r>
-              <a:rPr lang="it-IT" dirty="0" err="1"/>
-              <a:t>proof</a:t>
-            </a:r>
-            <a:r>
-              <a:rPr lang="it-IT" dirty="0"/>
-              <a:t> of </a:t>
-            </a:r>
-            <a:r>
-              <a:rPr lang="it-IT" dirty="0" err="1"/>
-              <a:t>concept</a:t>
-            </a:r>
-            <a:r>
-              <a:rPr lang="it-IT" dirty="0"/>
-              <a:t> ma primo elemento da sostituire nel momento in cui si volesse scalare.</a:t>
-            </a:r>
-          </a:p>
-        </p:txBody>
-      </p:sp>
+        </p:nvPicPr>
+        <p:blipFill>
+          <a:blip r:embed="rId2"/>
+          <a:stretch>
+            <a:fillRect/>
+          </a:stretch>
+        </p:blipFill>
+        <p:spPr>
+          <a:xfrm>
+            <a:off x="3146083" y="2638425"/>
+            <a:ext cx="5899834" cy="3101975"/>
+          </a:xfrm>
+        </p:spPr>
+      </p:pic>
+      <p:pic>
+        <p:nvPicPr>
+          <p:cNvPr id="8" name="Immagine 7">
+            <a:extLst>
+              <a:ext uri="{FF2B5EF4-FFF2-40B4-BE49-F238E27FC236}">
+                <a16:creationId xmlns:a16="http://schemas.microsoft.com/office/drawing/2014/main" id="{5B99D6B9-A4A3-42B0-AF09-42B8826CD6ED}"/>
+              </a:ext>
+            </a:extLst>
+          </p:cNvPr>
+          <p:cNvPicPr>
+            <a:picLocks noChangeAspect="1"/>
+          </p:cNvPicPr>
+          <p:nvPr/>
+        </p:nvPicPr>
+        <p:blipFill>
+          <a:blip r:embed="rId3"/>
+          <a:stretch>
+            <a:fillRect/>
+          </a:stretch>
+        </p:blipFill>
+        <p:spPr>
+          <a:xfrm>
+            <a:off x="2032000" y="2484437"/>
+            <a:ext cx="8305800" cy="3409950"/>
+          </a:xfrm>
+          <a:prstGeom prst="rect">
+            <a:avLst/>
+          </a:prstGeom>
+        </p:spPr>
+      </p:pic>
     </p:spTree>
     <p:extLst>
       <p:ext uri="{BB962C8B-B14F-4D97-AF65-F5344CB8AC3E}">
-        <p14:creationId xmlns:p14="http://schemas.microsoft.com/office/powerpoint/2010/main" val="2854578920"/>
+        <p14:creationId xmlns:p14="http://schemas.microsoft.com/office/powerpoint/2010/main" val="3503530653"/>
       </p:ext>
     </p:extLst>
   </p:cSld>
@@ -4505,7 +4621,7 @@
           <a:p>
             <a:r>
               <a:rPr lang="it-IT" sz="5400" dirty="0"/>
-              <a:t>SUBSCRIBER</a:t>
+              <a:t>BROKER</a:t>
             </a:r>
           </a:p>
         </p:txBody>
@@ -4533,51 +4649,43 @@
           <a:p>
             <a:r>
               <a:rPr lang="it-IT" dirty="0"/>
-              <a:t>Il </a:t>
+              <a:t>È stato utilizzato, un Broker MQTT di terze parti, </a:t>
             </a:r>
             <a:r>
               <a:rPr lang="it-IT" dirty="0" err="1"/>
-              <a:t>subscriber</a:t>
+              <a:t>CloudMQTT</a:t>
             </a:r>
             <a:r>
               <a:rPr lang="it-IT" dirty="0"/>
-              <a:t> è stato sviluppato in un'applicazione Android 8.1 attraverso la quale è possibile sottoscriversi ai </a:t>
+              <a:t>.</a:t>
+            </a:r>
+          </a:p>
+          <a:p>
+            <a:r>
+              <a:rPr lang="it-IT" dirty="0"/>
+              <a:t>Esso utilizza un’istanza di </a:t>
             </a:r>
             <a:r>
               <a:rPr lang="it-IT" dirty="0" err="1"/>
-              <a:t>topic</a:t>
+              <a:t>Mosquitto</a:t>
             </a:r>
             <a:r>
               <a:rPr lang="it-IT" dirty="0"/>
-              <a:t> e conoscere quindi il numero delle persone presenti in un'area.</a:t>
-            </a:r>
-          </a:p>
-          <a:p>
+              <a:t> su di un server </a:t>
+            </a:r>
+            <a:r>
+              <a:rPr lang="it-IT" dirty="0" err="1"/>
+              <a:t>AmazonWS</a:t>
+            </a:r>
             <a:r>
               <a:rPr lang="it-IT" dirty="0"/>
-              <a:t>Si possono inserire </a:t>
-            </a:r>
-            <a:r>
-              <a:rPr lang="it-IT" dirty="0" err="1"/>
-              <a:t>topic</a:t>
-            </a:r>
+              <a:t>.</a:t>
+            </a:r>
+          </a:p>
+          <a:p>
             <a:r>
               <a:rPr lang="it-IT" dirty="0"/>
-              <a:t> custom se si conoscono.</a:t>
-            </a:r>
-          </a:p>
-          <a:p>
-            <a:r>
-              <a:rPr lang="it-IT" dirty="0"/>
-              <a:t>È stata popolata comunque una serie di </a:t>
-            </a:r>
-            <a:r>
-              <a:rPr lang="it-IT" dirty="0" err="1"/>
-              <a:t>topic</a:t>
-            </a:r>
-            <a:r>
-              <a:rPr lang="it-IT" dirty="0"/>
-              <a:t> di default come </a:t>
+              <a:t>Esso permette l’accesso ad un massimo di 5 utenti nella sua versione gratuita e ha una banda limitata, utile come </a:t>
             </a:r>
             <a:r>
               <a:rPr lang="it-IT" dirty="0" err="1"/>
@@ -4591,14 +4699,17 @@
               <a:rPr lang="it-IT" dirty="0" err="1"/>
               <a:t>concept</a:t>
             </a:r>
-            <a:endParaRPr lang="it-IT" dirty="0"/>
+            <a:r>
+              <a:rPr lang="it-IT" dirty="0"/>
+              <a:t> ma primo elemento da sostituire nel momento in cui si volesse scalare.</a:t>
+            </a:r>
           </a:p>
         </p:txBody>
       </p:sp>
     </p:spTree>
     <p:extLst>
       <p:ext uri="{BB962C8B-B14F-4D97-AF65-F5344CB8AC3E}">
-        <p14:creationId xmlns:p14="http://schemas.microsoft.com/office/powerpoint/2010/main" val="2690728532"/>
+        <p14:creationId xmlns:p14="http://schemas.microsoft.com/office/powerpoint/2010/main" val="2854578920"/>
       </p:ext>
     </p:extLst>
   </p:cSld>
@@ -4630,7 +4741,7 @@
           <p:cNvPr id="2" name="Titolo 1">
             <a:extLst>
               <a:ext uri="{FF2B5EF4-FFF2-40B4-BE49-F238E27FC236}">
-                <a16:creationId xmlns:a16="http://schemas.microsoft.com/office/drawing/2014/main" id="{D7918F1D-06EC-43D5-BEA0-1BFFD2FFA78F}"/>
+                <a16:creationId xmlns:a16="http://schemas.microsoft.com/office/drawing/2014/main" id="{E602E8AA-5313-4B72-82F2-46368A7019F9}"/>
               </a:ext>
             </a:extLst>
           </p:cNvPr>
@@ -4641,12 +4752,7 @@
             <p:ph type="title"/>
           </p:nvPr>
         </p:nvSpPr>
-        <p:spPr>
-          <a:xfrm>
-            <a:off x="2231136" y="889191"/>
-            <a:ext cx="7729728" cy="1188720"/>
-          </a:xfrm>
-        </p:spPr>
+        <p:spPr/>
         <p:txBody>
           <a:bodyPr>
             <a:normAutofit/>
@@ -4655,7 +4761,7 @@
           <a:p>
             <a:r>
               <a:rPr lang="it-IT" sz="5400" dirty="0"/>
-              <a:t>Sviluppi Futuri</a:t>
+              <a:t>SUBSCRIBER</a:t>
             </a:r>
           </a:p>
         </p:txBody>
@@ -4665,7 +4771,7 @@
           <p:cNvPr id="3" name="Segnaposto contenuto 2">
             <a:extLst>
               <a:ext uri="{FF2B5EF4-FFF2-40B4-BE49-F238E27FC236}">
-                <a16:creationId xmlns:a16="http://schemas.microsoft.com/office/drawing/2014/main" id="{EC415B69-0B77-40A2-850E-68002081B8AF}"/>
+                <a16:creationId xmlns:a16="http://schemas.microsoft.com/office/drawing/2014/main" id="{D5D4FED9-AE98-4CE4-8054-271B94AF0E05}"/>
               </a:ext>
             </a:extLst>
           </p:cNvPr>
@@ -4676,55 +4782,216 @@
             <p:ph idx="1"/>
           </p:nvPr>
         </p:nvSpPr>
-        <p:spPr>
-          <a:xfrm>
-            <a:off x="2231136" y="2638044"/>
-            <a:ext cx="7729728" cy="3101983"/>
-          </a:xfrm>
-        </p:spPr>
-        <p:txBody>
-          <a:bodyPr>
-            <a:normAutofit/>
-          </a:bodyPr>
+        <p:spPr/>
+        <p:txBody>
+          <a:bodyPr/>
           <a:lstStyle/>
           <a:p>
             <a:r>
               <a:rPr lang="it-IT" dirty="0"/>
-              <a:t>Popolare un Database Web con i vari dispositivi conosciuti dalla rete.</a:t>
-            </a:r>
-          </a:p>
-          <a:p>
+              <a:t>Il </a:t>
+            </a:r>
+            <a:r>
+              <a:rPr lang="it-IT" dirty="0" err="1"/>
+              <a:t>subscriber</a:t>
+            </a:r>
             <a:r>
               <a:rPr lang="it-IT" dirty="0"/>
-              <a:t>Disaccoppiarsi da </a:t>
+              <a:t> è stato sviluppato in un'applicazione Android 8.1 attraverso la quale è possibile sottoscriversi ai </a:t>
             </a:r>
             <a:r>
               <a:rPr lang="it-IT" dirty="0" err="1"/>
-              <a:t>CloudMQTT</a:t>
+              <a:t>topic</a:t>
             </a:r>
             <a:r>
               <a:rPr lang="it-IT" dirty="0"/>
-              <a:t> per offrire un servizio indipendente.</a:t>
+              <a:t> e conoscere quindi il numero delle persone presenti in un'area.</a:t>
             </a:r>
           </a:p>
           <a:p>
             <a:r>
               <a:rPr lang="it-IT" dirty="0"/>
-              <a:t>Contrattare con i vari ambienti un metodo più efficace per accedere alla quantità di utenti connessi / presenti in una determinata area.</a:t>
-            </a:r>
-          </a:p>
-          <a:p>
+              <a:t>Si possono inserire </a:t>
+            </a:r>
+            <a:r>
+              <a:rPr lang="it-IT" dirty="0" err="1"/>
+              <a:t>topic</a:t>
+            </a:r>
             <a:r>
               <a:rPr lang="it-IT" dirty="0"/>
-              <a:t>Estendere il prodotto a vari ambienti come sale d’attesa, barbieri, dentisti, centri commerciali, fiere, hotel, pub, ristoranti e altro</a:t>
-            </a:r>
+              <a:t> custom se si conoscono.</a:t>
+            </a:r>
+          </a:p>
+          <a:p>
+            <a:r>
+              <a:rPr lang="it-IT" dirty="0"/>
+              <a:t>È stata popolata comunque una serie di </a:t>
+            </a:r>
+            <a:r>
+              <a:rPr lang="it-IT" dirty="0" err="1"/>
+              <a:t>topic</a:t>
+            </a:r>
+            <a:r>
+              <a:rPr lang="it-IT" dirty="0"/>
+              <a:t> di default come </a:t>
+            </a:r>
+            <a:r>
+              <a:rPr lang="it-IT" dirty="0" err="1"/>
+              <a:t>proof</a:t>
+            </a:r>
+            <a:r>
+              <a:rPr lang="it-IT" dirty="0"/>
+              <a:t> of </a:t>
+            </a:r>
+            <a:r>
+              <a:rPr lang="it-IT" dirty="0" err="1"/>
+              <a:t>concept</a:t>
+            </a:r>
+            <a:endParaRPr lang="it-IT" dirty="0"/>
           </a:p>
         </p:txBody>
       </p:sp>
     </p:spTree>
     <p:extLst>
       <p:ext uri="{BB962C8B-B14F-4D97-AF65-F5344CB8AC3E}">
-        <p14:creationId xmlns:p14="http://schemas.microsoft.com/office/powerpoint/2010/main" val="2379841801"/>
+        <p14:creationId xmlns:p14="http://schemas.microsoft.com/office/powerpoint/2010/main" val="2690728532"/>
+      </p:ext>
+    </p:extLst>
+  </p:cSld>
+  <p:clrMapOvr>
+    <a:masterClrMapping/>
+  </p:clrMapOvr>
+</p:sld>
+</file>
+
+<file path=ppt/slides/slide9.xml><?xml version="1.0" encoding="utf-8"?>
+<p:sld xmlns:a="http://schemas.openxmlformats.org/drawingml/2006/main" xmlns:r="http://schemas.openxmlformats.org/officeDocument/2006/relationships" xmlns:p="http://schemas.openxmlformats.org/presentationml/2006/main">
+  <p:cSld>
+    <p:spTree>
+      <p:nvGrpSpPr>
+        <p:cNvPr id="1" name=""/>
+        <p:cNvGrpSpPr/>
+        <p:nvPr/>
+      </p:nvGrpSpPr>
+      <p:grpSpPr>
+        <a:xfrm>
+          <a:off x="0" y="0"/>
+          <a:ext cx="0" cy="0"/>
+          <a:chOff x="0" y="0"/>
+          <a:chExt cx="0" cy="0"/>
+        </a:xfrm>
+      </p:grpSpPr>
+      <p:pic>
+        <p:nvPicPr>
+          <p:cNvPr id="5" name="Segnaposto contenuto 4">
+            <a:extLst>
+              <a:ext uri="{FF2B5EF4-FFF2-40B4-BE49-F238E27FC236}">
+                <a16:creationId xmlns:a16="http://schemas.microsoft.com/office/drawing/2014/main" id="{D990E443-64BD-4EF8-9894-215E6CD25589}"/>
+              </a:ext>
+            </a:extLst>
+          </p:cNvPr>
+          <p:cNvPicPr>
+            <a:picLocks noGrp="1" noChangeAspect="1"/>
+          </p:cNvPicPr>
+          <p:nvPr>
+            <p:ph idx="1"/>
+          </p:nvPr>
+        </p:nvPicPr>
+        <p:blipFill>
+          <a:blip r:embed="rId2"/>
+          <a:stretch>
+            <a:fillRect/>
+          </a:stretch>
+        </p:blipFill>
+        <p:spPr>
+          <a:xfrm>
+            <a:off x="934996" y="987618"/>
+            <a:ext cx="10322003" cy="5690550"/>
+          </a:xfrm>
+        </p:spPr>
+      </p:pic>
+      <p:sp>
+        <p:nvSpPr>
+          <p:cNvPr id="6" name="Titolo 1">
+            <a:extLst>
+              <a:ext uri="{FF2B5EF4-FFF2-40B4-BE49-F238E27FC236}">
+                <a16:creationId xmlns:a16="http://schemas.microsoft.com/office/drawing/2014/main" id="{B1720EAD-CBEE-4334-B781-500412C17A9A}"/>
+              </a:ext>
+            </a:extLst>
+          </p:cNvPr>
+          <p:cNvSpPr txBox="1">
+            <a:spLocks/>
+          </p:cNvSpPr>
+          <p:nvPr/>
+        </p:nvSpPr>
+        <p:spPr>
+          <a:xfrm>
+            <a:off x="2950440" y="179832"/>
+            <a:ext cx="6291117" cy="594359"/>
+          </a:xfrm>
+          <a:prstGeom prst="rect">
+            <a:avLst/>
+          </a:prstGeom>
+          <a:solidFill>
+            <a:schemeClr val="bg1"/>
+          </a:solidFill>
+          <a:ln w="31750" cap="sq">
+            <a:solidFill>
+              <a:schemeClr val="tx1">
+                <a:lumMod val="75000"/>
+                <a:lumOff val="25000"/>
+              </a:schemeClr>
+            </a:solidFill>
+            <a:miter lim="800000"/>
+          </a:ln>
+        </p:spPr>
+        <p:txBody>
+          <a:bodyPr vert="horz" lIns="182880" tIns="182880" rIns="182880" bIns="182880" rtlCol="0" anchor="ctr">
+            <a:noAutofit/>
+          </a:bodyPr>
+          <a:lstStyle>
+            <a:lvl1pPr algn="ctr" defTabSz="914400" rtl="0" eaLnBrk="1" latinLnBrk="0" hangingPunct="1">
+              <a:lnSpc>
+                <a:spcPct val="90000"/>
+              </a:lnSpc>
+              <a:spcBef>
+                <a:spcPct val="0"/>
+              </a:spcBef>
+              <a:buNone/>
+              <a:defRPr sz="2800" kern="1200" cap="all" spc="200" baseline="0">
+                <a:solidFill>
+                  <a:schemeClr val="tx1">
+                    <a:lumMod val="85000"/>
+                    <a:lumOff val="15000"/>
+                  </a:schemeClr>
+                </a:solidFill>
+                <a:latin typeface="+mj-lt"/>
+                <a:ea typeface="+mj-ea"/>
+                <a:cs typeface="+mj-cs"/>
+              </a:defRPr>
+            </a:lvl1pPr>
+          </a:lstStyle>
+          <a:p>
+            <a:r>
+              <a:rPr lang="it-IT" sz="3600" dirty="0" err="1"/>
+              <a:t>Snippet</a:t>
+            </a:r>
+            <a:r>
+              <a:rPr lang="it-IT" sz="3600" dirty="0"/>
+              <a:t> DEL </a:t>
+            </a:r>
+            <a:r>
+              <a:rPr lang="it-IT" sz="3600" dirty="0" err="1"/>
+              <a:t>Subscriber</a:t>
+            </a:r>
+            <a:endParaRPr lang="it-IT" sz="3600" dirty="0"/>
+          </a:p>
+        </p:txBody>
+      </p:sp>
+    </p:spTree>
+    <p:extLst>
+      <p:ext uri="{BB962C8B-B14F-4D97-AF65-F5344CB8AC3E}">
+        <p14:creationId xmlns:p14="http://schemas.microsoft.com/office/powerpoint/2010/main" val="3544994975"/>
       </p:ext>
     </p:extLst>
   </p:cSld>

--- a/SmartCrowd.pptx
+++ b/SmartCrowd.pptx
@@ -10,11 +10,12 @@
     <p:sldId id="257" r:id="rId4"/>
     <p:sldId id="262" r:id="rId5"/>
     <p:sldId id="261" r:id="rId6"/>
-    <p:sldId id="267" r:id="rId7"/>
-    <p:sldId id="264" r:id="rId8"/>
-    <p:sldId id="265" r:id="rId9"/>
-    <p:sldId id="266" r:id="rId10"/>
-    <p:sldId id="260" r:id="rId11"/>
+    <p:sldId id="268" r:id="rId7"/>
+    <p:sldId id="269" r:id="rId8"/>
+    <p:sldId id="264" r:id="rId9"/>
+    <p:sldId id="265" r:id="rId10"/>
+    <p:sldId id="266" r:id="rId11"/>
+    <p:sldId id="260" r:id="rId12"/>
   </p:sldIdLst>
   <p:sldSz cx="12192000" cy="6858000"/>
   <p:notesSz cx="6858000" cy="9144000"/>
@@ -3335,6 +3336,143 @@
           <a:chExt cx="0" cy="0"/>
         </a:xfrm>
       </p:grpSpPr>
+      <p:pic>
+        <p:nvPicPr>
+          <p:cNvPr id="5" name="Segnaposto contenuto 4">
+            <a:extLst>
+              <a:ext uri="{FF2B5EF4-FFF2-40B4-BE49-F238E27FC236}">
+                <a16:creationId xmlns:a16="http://schemas.microsoft.com/office/drawing/2014/main" id="{D990E443-64BD-4EF8-9894-215E6CD25589}"/>
+              </a:ext>
+            </a:extLst>
+          </p:cNvPr>
+          <p:cNvPicPr>
+            <a:picLocks noGrp="1" noChangeAspect="1"/>
+          </p:cNvPicPr>
+          <p:nvPr>
+            <p:ph idx="1"/>
+          </p:nvPr>
+        </p:nvPicPr>
+        <p:blipFill>
+          <a:blip r:embed="rId2"/>
+          <a:stretch>
+            <a:fillRect/>
+          </a:stretch>
+        </p:blipFill>
+        <p:spPr>
+          <a:xfrm>
+            <a:off x="934996" y="987618"/>
+            <a:ext cx="10322003" cy="5690550"/>
+          </a:xfrm>
+        </p:spPr>
+      </p:pic>
+      <p:sp>
+        <p:nvSpPr>
+          <p:cNvPr id="6" name="Titolo 1">
+            <a:extLst>
+              <a:ext uri="{FF2B5EF4-FFF2-40B4-BE49-F238E27FC236}">
+                <a16:creationId xmlns:a16="http://schemas.microsoft.com/office/drawing/2014/main" id="{B1720EAD-CBEE-4334-B781-500412C17A9A}"/>
+              </a:ext>
+            </a:extLst>
+          </p:cNvPr>
+          <p:cNvSpPr txBox="1">
+            <a:spLocks/>
+          </p:cNvSpPr>
+          <p:nvPr/>
+        </p:nvSpPr>
+        <p:spPr>
+          <a:xfrm>
+            <a:off x="2950440" y="179832"/>
+            <a:ext cx="6291117" cy="594359"/>
+          </a:xfrm>
+          <a:prstGeom prst="rect">
+            <a:avLst/>
+          </a:prstGeom>
+          <a:solidFill>
+            <a:schemeClr val="bg1"/>
+          </a:solidFill>
+          <a:ln w="31750" cap="sq">
+            <a:solidFill>
+              <a:schemeClr val="tx1">
+                <a:lumMod val="75000"/>
+                <a:lumOff val="25000"/>
+              </a:schemeClr>
+            </a:solidFill>
+            <a:miter lim="800000"/>
+          </a:ln>
+        </p:spPr>
+        <p:txBody>
+          <a:bodyPr vert="horz" lIns="182880" tIns="182880" rIns="182880" bIns="182880" rtlCol="0" anchor="ctr">
+            <a:noAutofit/>
+          </a:bodyPr>
+          <a:lstStyle>
+            <a:lvl1pPr algn="ctr" defTabSz="914400" rtl="0" eaLnBrk="1" latinLnBrk="0" hangingPunct="1">
+              <a:lnSpc>
+                <a:spcPct val="90000"/>
+              </a:lnSpc>
+              <a:spcBef>
+                <a:spcPct val="0"/>
+              </a:spcBef>
+              <a:buNone/>
+              <a:defRPr sz="2800" kern="1200" cap="all" spc="200" baseline="0">
+                <a:solidFill>
+                  <a:schemeClr val="tx1">
+                    <a:lumMod val="85000"/>
+                    <a:lumOff val="15000"/>
+                  </a:schemeClr>
+                </a:solidFill>
+                <a:latin typeface="+mj-lt"/>
+                <a:ea typeface="+mj-ea"/>
+                <a:cs typeface="+mj-cs"/>
+              </a:defRPr>
+            </a:lvl1pPr>
+          </a:lstStyle>
+          <a:p>
+            <a:r>
+              <a:rPr lang="it-IT" sz="3600" dirty="0" err="1"/>
+              <a:t>Snippet</a:t>
+            </a:r>
+            <a:r>
+              <a:rPr lang="it-IT" sz="3600" dirty="0"/>
+              <a:t> DEL </a:t>
+            </a:r>
+            <a:r>
+              <a:rPr lang="it-IT" sz="3600" dirty="0" err="1"/>
+              <a:t>Subscriber</a:t>
+            </a:r>
+            <a:endParaRPr lang="it-IT" sz="3600" dirty="0"/>
+          </a:p>
+        </p:txBody>
+      </p:sp>
+    </p:spTree>
+    <p:extLst>
+      <p:ext uri="{BB962C8B-B14F-4D97-AF65-F5344CB8AC3E}">
+        <p14:creationId xmlns:p14="http://schemas.microsoft.com/office/powerpoint/2010/main" val="3544994975"/>
+      </p:ext>
+    </p:extLst>
+  </p:cSld>
+  <p:clrMapOvr>
+    <a:masterClrMapping/>
+  </p:clrMapOvr>
+</p:sld>
+</file>
+
+<file path=ppt/slides/slide11.xml><?xml version="1.0" encoding="utf-8"?>
+<p:sld xmlns:a="http://schemas.openxmlformats.org/drawingml/2006/main" xmlns:r="http://schemas.openxmlformats.org/officeDocument/2006/relationships" xmlns:p="http://schemas.openxmlformats.org/presentationml/2006/main">
+  <p:cSld>
+    <p:spTree>
+      <p:nvGrpSpPr>
+        <p:cNvPr id="1" name=""/>
+        <p:cNvGrpSpPr/>
+        <p:nvPr/>
+      </p:nvGrpSpPr>
+      <p:grpSpPr>
+        <a:xfrm>
+          <a:off x="0" y="0"/>
+          <a:ext cx="0" cy="0"/>
+          <a:chOff x="0" y="0"/>
+          <a:chExt cx="0" cy="0"/>
+        </a:xfrm>
+      </p:grpSpPr>
       <p:sp>
         <p:nvSpPr>
           <p:cNvPr id="2" name="Titolo 1">
@@ -4558,8 +4696,8 @@
         </p:blipFill>
         <p:spPr>
           <a:xfrm>
-            <a:off x="2032000" y="2484437"/>
-            <a:ext cx="8305800" cy="3409950"/>
+            <a:off x="2231136" y="2484437"/>
+            <a:ext cx="7729728" cy="4010292"/>
           </a:xfrm>
           <a:prstGeom prst="rect">
             <a:avLst/>
@@ -4569,7 +4707,7 @@
     </p:spTree>
     <p:extLst>
       <p:ext uri="{BB962C8B-B14F-4D97-AF65-F5344CB8AC3E}">
-        <p14:creationId xmlns:p14="http://schemas.microsoft.com/office/powerpoint/2010/main" val="3503530653"/>
+        <p14:creationId xmlns:p14="http://schemas.microsoft.com/office/powerpoint/2010/main" val="3904223897"/>
       </p:ext>
     </p:extLst>
   </p:cSld>
@@ -4601,7 +4739,7 @@
           <p:cNvPr id="2" name="Titolo 1">
             <a:extLst>
               <a:ext uri="{FF2B5EF4-FFF2-40B4-BE49-F238E27FC236}">
-                <a16:creationId xmlns:a16="http://schemas.microsoft.com/office/drawing/2014/main" id="{E602E8AA-5313-4B72-82F2-46368A7019F9}"/>
+                <a16:creationId xmlns:a16="http://schemas.microsoft.com/office/drawing/2014/main" id="{09DBC294-C9E6-42E1-B6A3-F7224518CB75}"/>
               </a:ext>
             </a:extLst>
           </p:cNvPr>
@@ -4620,96 +4758,79 @@
           <a:lstStyle/>
           <a:p>
             <a:r>
-              <a:rPr lang="it-IT" sz="5400" dirty="0"/>
-              <a:t>BROKER</a:t>
-            </a:r>
-          </a:p>
-        </p:txBody>
-      </p:sp>
-      <p:sp>
-        <p:nvSpPr>
-          <p:cNvPr id="3" name="Segnaposto contenuto 2">
+              <a:rPr lang="it-IT" sz="4000" dirty="0" err="1"/>
+              <a:t>Snippet</a:t>
+            </a:r>
+            <a:r>
+              <a:rPr lang="it-IT" sz="4000" dirty="0"/>
+              <a:t> DEL Publisher</a:t>
+            </a:r>
+          </a:p>
+        </p:txBody>
+      </p:sp>
+      <p:pic>
+        <p:nvPicPr>
+          <p:cNvPr id="6" name="Segnaposto contenuto 5">
             <a:extLst>
               <a:ext uri="{FF2B5EF4-FFF2-40B4-BE49-F238E27FC236}">
-                <a16:creationId xmlns:a16="http://schemas.microsoft.com/office/drawing/2014/main" id="{D5D4FED9-AE98-4CE4-8054-271B94AF0E05}"/>
+                <a16:creationId xmlns:a16="http://schemas.microsoft.com/office/drawing/2014/main" id="{0CA1D37C-7BFB-4A11-8D8B-4B45FAB18037}"/>
               </a:ext>
             </a:extLst>
           </p:cNvPr>
-          <p:cNvSpPr>
-            <a:spLocks noGrp="1"/>
-          </p:cNvSpPr>
+          <p:cNvPicPr>
+            <a:picLocks noGrp="1" noChangeAspect="1"/>
+          </p:cNvPicPr>
           <p:nvPr>
             <p:ph idx="1"/>
           </p:nvPr>
-        </p:nvSpPr>
-        <p:spPr/>
-        <p:txBody>
-          <a:bodyPr/>
-          <a:lstStyle/>
-          <a:p>
-            <a:r>
-              <a:rPr lang="it-IT" dirty="0"/>
-              <a:t>È stato utilizzato, un Broker MQTT di terze parti, </a:t>
-            </a:r>
-            <a:r>
-              <a:rPr lang="it-IT" dirty="0" err="1"/>
-              <a:t>CloudMQTT</a:t>
-            </a:r>
-            <a:r>
-              <a:rPr lang="it-IT" dirty="0"/>
-              <a:t>.</a:t>
-            </a:r>
-          </a:p>
-          <a:p>
-            <a:r>
-              <a:rPr lang="it-IT" dirty="0"/>
-              <a:t>Esso utilizza un’istanza di </a:t>
-            </a:r>
-            <a:r>
-              <a:rPr lang="it-IT" dirty="0" err="1"/>
-              <a:t>Mosquitto</a:t>
-            </a:r>
-            <a:r>
-              <a:rPr lang="it-IT" dirty="0"/>
-              <a:t> su di un server </a:t>
-            </a:r>
-            <a:r>
-              <a:rPr lang="it-IT" dirty="0" err="1"/>
-              <a:t>AmazonWS</a:t>
-            </a:r>
-            <a:r>
-              <a:rPr lang="it-IT" dirty="0"/>
-              <a:t>.</a:t>
-            </a:r>
-          </a:p>
-          <a:p>
-            <a:r>
-              <a:rPr lang="it-IT" dirty="0"/>
-              <a:t>Esso permette l’accesso ad un massimo di 5 utenti nella sua versione gratuita e ha una banda limitata, utile come </a:t>
-            </a:r>
-            <a:r>
-              <a:rPr lang="it-IT" dirty="0" err="1"/>
-              <a:t>proof</a:t>
-            </a:r>
-            <a:r>
-              <a:rPr lang="it-IT" dirty="0"/>
-              <a:t> of </a:t>
-            </a:r>
-            <a:r>
-              <a:rPr lang="it-IT" dirty="0" err="1"/>
-              <a:t>concept</a:t>
-            </a:r>
-            <a:r>
-              <a:rPr lang="it-IT" dirty="0"/>
-              <a:t> ma primo elemento da sostituire nel momento in cui si volesse scalare.</a:t>
-            </a:r>
-          </a:p>
-        </p:txBody>
-      </p:sp>
+        </p:nvPicPr>
+        <p:blipFill>
+          <a:blip r:embed="rId2"/>
+          <a:stretch>
+            <a:fillRect/>
+          </a:stretch>
+        </p:blipFill>
+        <p:spPr>
+          <a:xfrm>
+            <a:off x="3146083" y="2638425"/>
+            <a:ext cx="5899834" cy="3101975"/>
+          </a:xfrm>
+        </p:spPr>
+      </p:pic>
+      <p:pic>
+        <p:nvPicPr>
+          <p:cNvPr id="8" name="Immagine 7">
+            <a:extLst>
+              <a:ext uri="{FF2B5EF4-FFF2-40B4-BE49-F238E27FC236}">
+                <a16:creationId xmlns:a16="http://schemas.microsoft.com/office/drawing/2014/main" id="{5B99D6B9-A4A3-42B0-AF09-42B8826CD6ED}"/>
+              </a:ext>
+            </a:extLst>
+          </p:cNvPr>
+          <p:cNvPicPr>
+            <a:picLocks noChangeAspect="1"/>
+          </p:cNvPicPr>
+          <p:nvPr/>
+        </p:nvPicPr>
+        <p:blipFill>
+          <a:blip r:embed="rId3"/>
+          <a:stretch>
+            <a:fillRect/>
+          </a:stretch>
+        </p:blipFill>
+        <p:spPr>
+          <a:xfrm>
+            <a:off x="910336" y="2588786"/>
+            <a:ext cx="10951464" cy="4025156"/>
+          </a:xfrm>
+          <a:prstGeom prst="rect">
+            <a:avLst/>
+          </a:prstGeom>
+        </p:spPr>
+      </p:pic>
     </p:spTree>
     <p:extLst>
       <p:ext uri="{BB962C8B-B14F-4D97-AF65-F5344CB8AC3E}">
-        <p14:creationId xmlns:p14="http://schemas.microsoft.com/office/powerpoint/2010/main" val="2854578920"/>
+        <p14:creationId xmlns:p14="http://schemas.microsoft.com/office/powerpoint/2010/main" val="2070848958"/>
       </p:ext>
     </p:extLst>
   </p:cSld>
@@ -4761,7 +4882,7 @@
           <a:p>
             <a:r>
               <a:rPr lang="it-IT" sz="5400" dirty="0"/>
-              <a:t>SUBSCRIBER</a:t>
+              <a:t>BROKER</a:t>
             </a:r>
           </a:p>
         </p:txBody>
@@ -4789,51 +4910,43 @@
           <a:p>
             <a:r>
               <a:rPr lang="it-IT" dirty="0"/>
-              <a:t>Il </a:t>
+              <a:t>È stato utilizzato, un Broker MQTT di terze parti, </a:t>
             </a:r>
             <a:r>
               <a:rPr lang="it-IT" dirty="0" err="1"/>
-              <a:t>subscriber</a:t>
+              <a:t>CloudMQTT</a:t>
             </a:r>
             <a:r>
               <a:rPr lang="it-IT" dirty="0"/>
-              <a:t> è stato sviluppato in un'applicazione Android 8.1 attraverso la quale è possibile sottoscriversi ai </a:t>
+              <a:t>.</a:t>
+            </a:r>
+          </a:p>
+          <a:p>
+            <a:r>
+              <a:rPr lang="it-IT" dirty="0"/>
+              <a:t>Esso utilizza un’istanza di </a:t>
             </a:r>
             <a:r>
               <a:rPr lang="it-IT" dirty="0" err="1"/>
-              <a:t>topic</a:t>
+              <a:t>Mosquitto</a:t>
             </a:r>
             <a:r>
               <a:rPr lang="it-IT" dirty="0"/>
-              <a:t> e conoscere quindi il numero delle persone presenti in un'area.</a:t>
-            </a:r>
-          </a:p>
-          <a:p>
+              <a:t> su di un server </a:t>
+            </a:r>
+            <a:r>
+              <a:rPr lang="it-IT" dirty="0" err="1"/>
+              <a:t>AmazonWS</a:t>
+            </a:r>
             <a:r>
               <a:rPr lang="it-IT" dirty="0"/>
-              <a:t>Si possono inserire </a:t>
-            </a:r>
-            <a:r>
-              <a:rPr lang="it-IT" dirty="0" err="1"/>
-              <a:t>topic</a:t>
-            </a:r>
+              <a:t>.</a:t>
+            </a:r>
+          </a:p>
+          <a:p>
             <a:r>
               <a:rPr lang="it-IT" dirty="0"/>
-              <a:t> custom se si conoscono.</a:t>
-            </a:r>
-          </a:p>
-          <a:p>
-            <a:r>
-              <a:rPr lang="it-IT" dirty="0"/>
-              <a:t>È stata popolata comunque una serie di </a:t>
-            </a:r>
-            <a:r>
-              <a:rPr lang="it-IT" dirty="0" err="1"/>
-              <a:t>topic</a:t>
-            </a:r>
-            <a:r>
-              <a:rPr lang="it-IT" dirty="0"/>
-              <a:t> di default come </a:t>
+              <a:t>Esso permette l’accesso ad un massimo di 5 utenti nella sua versione gratuita e ha una banda limitata, utile come </a:t>
             </a:r>
             <a:r>
               <a:rPr lang="it-IT" dirty="0" err="1"/>
@@ -4847,14 +4960,17 @@
               <a:rPr lang="it-IT" dirty="0" err="1"/>
               <a:t>concept</a:t>
             </a:r>
-            <a:endParaRPr lang="it-IT" dirty="0"/>
+            <a:r>
+              <a:rPr lang="it-IT" dirty="0"/>
+              <a:t> ma primo elemento da sostituire nel momento in cui si volesse scalare.</a:t>
+            </a:r>
           </a:p>
         </p:txBody>
       </p:sp>
     </p:spTree>
     <p:extLst>
       <p:ext uri="{BB962C8B-B14F-4D97-AF65-F5344CB8AC3E}">
-        <p14:creationId xmlns:p14="http://schemas.microsoft.com/office/powerpoint/2010/main" val="2690728532"/>
+        <p14:creationId xmlns:p14="http://schemas.microsoft.com/office/powerpoint/2010/main" val="2854578920"/>
       </p:ext>
     </p:extLst>
   </p:cSld>
@@ -4881,117 +4997,125 @@
           <a:chExt cx="0" cy="0"/>
         </a:xfrm>
       </p:grpSpPr>
-      <p:pic>
-        <p:nvPicPr>
-          <p:cNvPr id="5" name="Segnaposto contenuto 4">
+      <p:sp>
+        <p:nvSpPr>
+          <p:cNvPr id="2" name="Titolo 1">
             <a:extLst>
               <a:ext uri="{FF2B5EF4-FFF2-40B4-BE49-F238E27FC236}">
-                <a16:creationId xmlns:a16="http://schemas.microsoft.com/office/drawing/2014/main" id="{D990E443-64BD-4EF8-9894-215E6CD25589}"/>
+                <a16:creationId xmlns:a16="http://schemas.microsoft.com/office/drawing/2014/main" id="{E602E8AA-5313-4B72-82F2-46368A7019F9}"/>
               </a:ext>
             </a:extLst>
           </p:cNvPr>
-          <p:cNvPicPr>
-            <a:picLocks noGrp="1" noChangeAspect="1"/>
-          </p:cNvPicPr>
-          <p:nvPr>
-            <p:ph idx="1"/>
-          </p:nvPr>
-        </p:nvPicPr>
-        <p:blipFill>
-          <a:blip r:embed="rId2"/>
-          <a:stretch>
-            <a:fillRect/>
-          </a:stretch>
-        </p:blipFill>
-        <p:spPr>
-          <a:xfrm>
-            <a:off x="934996" y="987618"/>
-            <a:ext cx="10322003" cy="5690550"/>
-          </a:xfrm>
-        </p:spPr>
-      </p:pic>
-      <p:sp>
-        <p:nvSpPr>
-          <p:cNvPr id="6" name="Titolo 1">
+          <p:cNvSpPr>
+            <a:spLocks noGrp="1"/>
+          </p:cNvSpPr>
+          <p:nvPr>
+            <p:ph type="title"/>
+          </p:nvPr>
+        </p:nvSpPr>
+        <p:spPr/>
+        <p:txBody>
+          <a:bodyPr>
+            <a:normAutofit/>
+          </a:bodyPr>
+          <a:lstStyle/>
+          <a:p>
+            <a:r>
+              <a:rPr lang="it-IT" sz="5400" dirty="0"/>
+              <a:t>SUBSCRIBER</a:t>
+            </a:r>
+          </a:p>
+        </p:txBody>
+      </p:sp>
+      <p:sp>
+        <p:nvSpPr>
+          <p:cNvPr id="3" name="Segnaposto contenuto 2">
             <a:extLst>
               <a:ext uri="{FF2B5EF4-FFF2-40B4-BE49-F238E27FC236}">
-                <a16:creationId xmlns:a16="http://schemas.microsoft.com/office/drawing/2014/main" id="{B1720EAD-CBEE-4334-B781-500412C17A9A}"/>
+                <a16:creationId xmlns:a16="http://schemas.microsoft.com/office/drawing/2014/main" id="{D5D4FED9-AE98-4CE4-8054-271B94AF0E05}"/>
               </a:ext>
             </a:extLst>
           </p:cNvPr>
-          <p:cNvSpPr txBox="1">
-            <a:spLocks/>
-          </p:cNvSpPr>
-          <p:nvPr/>
-        </p:nvSpPr>
-        <p:spPr>
-          <a:xfrm>
-            <a:off x="2950440" y="179832"/>
-            <a:ext cx="6291117" cy="594359"/>
-          </a:xfrm>
-          <a:prstGeom prst="rect">
-            <a:avLst/>
-          </a:prstGeom>
-          <a:solidFill>
-            <a:schemeClr val="bg1"/>
-          </a:solidFill>
-          <a:ln w="31750" cap="sq">
-            <a:solidFill>
-              <a:schemeClr val="tx1">
-                <a:lumMod val="75000"/>
-                <a:lumOff val="25000"/>
-              </a:schemeClr>
-            </a:solidFill>
-            <a:miter lim="800000"/>
-          </a:ln>
-        </p:spPr>
-        <p:txBody>
-          <a:bodyPr vert="horz" lIns="182880" tIns="182880" rIns="182880" bIns="182880" rtlCol="0" anchor="ctr">
-            <a:noAutofit/>
-          </a:bodyPr>
-          <a:lstStyle>
-            <a:lvl1pPr algn="ctr" defTabSz="914400" rtl="0" eaLnBrk="1" latinLnBrk="0" hangingPunct="1">
-              <a:lnSpc>
-                <a:spcPct val="90000"/>
-              </a:lnSpc>
-              <a:spcBef>
-                <a:spcPct val="0"/>
-              </a:spcBef>
-              <a:buNone/>
-              <a:defRPr sz="2800" kern="1200" cap="all" spc="200" baseline="0">
-                <a:solidFill>
-                  <a:schemeClr val="tx1">
-                    <a:lumMod val="85000"/>
-                    <a:lumOff val="15000"/>
-                  </a:schemeClr>
-                </a:solidFill>
-                <a:latin typeface="+mj-lt"/>
-                <a:ea typeface="+mj-ea"/>
-                <a:cs typeface="+mj-cs"/>
-              </a:defRPr>
-            </a:lvl1pPr>
-          </a:lstStyle>
-          <a:p>
-            <a:r>
-              <a:rPr lang="it-IT" sz="3600" dirty="0" err="1"/>
-              <a:t>Snippet</a:t>
-            </a:r>
-            <a:r>
-              <a:rPr lang="it-IT" sz="3600" dirty="0"/>
-              <a:t> DEL </a:t>
-            </a:r>
-            <a:r>
-              <a:rPr lang="it-IT" sz="3600" dirty="0" err="1"/>
-              <a:t>Subscriber</a:t>
-            </a:r>
-            <a:endParaRPr lang="it-IT" sz="3600" dirty="0"/>
+          <p:cNvSpPr>
+            <a:spLocks noGrp="1"/>
+          </p:cNvSpPr>
+          <p:nvPr>
+            <p:ph idx="1"/>
+          </p:nvPr>
+        </p:nvSpPr>
+        <p:spPr/>
+        <p:txBody>
+          <a:bodyPr/>
+          <a:lstStyle/>
+          <a:p>
+            <a:r>
+              <a:rPr lang="it-IT" dirty="0"/>
+              <a:t>Il </a:t>
+            </a:r>
+            <a:r>
+              <a:rPr lang="it-IT" dirty="0" err="1"/>
+              <a:t>subscriber</a:t>
+            </a:r>
+            <a:r>
+              <a:rPr lang="it-IT" dirty="0"/>
+              <a:t> è stato sviluppato in un'applicazione Android 8.1 attraverso la quale è possibile sottoscriversi ai </a:t>
+            </a:r>
+            <a:r>
+              <a:rPr lang="it-IT" dirty="0" err="1"/>
+              <a:t>topic</a:t>
+            </a:r>
+            <a:r>
+              <a:rPr lang="it-IT" dirty="0"/>
+              <a:t> e conoscere quindi il numero delle persone presenti in un'area.</a:t>
+            </a:r>
+          </a:p>
+          <a:p>
+            <a:r>
+              <a:rPr lang="it-IT" dirty="0"/>
+              <a:t>Si possono inserire </a:t>
+            </a:r>
+            <a:r>
+              <a:rPr lang="it-IT" dirty="0" err="1"/>
+              <a:t>topic</a:t>
+            </a:r>
+            <a:r>
+              <a:rPr lang="it-IT" dirty="0"/>
+              <a:t> custom se si conoscono.</a:t>
+            </a:r>
+          </a:p>
+          <a:p>
+            <a:r>
+              <a:rPr lang="it-IT" dirty="0"/>
+              <a:t>È stata popolata comunque una serie di </a:t>
+            </a:r>
+            <a:r>
+              <a:rPr lang="it-IT" dirty="0" err="1"/>
+              <a:t>topic</a:t>
+            </a:r>
+            <a:r>
+              <a:rPr lang="it-IT" dirty="0"/>
+              <a:t> di default come </a:t>
+            </a:r>
+            <a:r>
+              <a:rPr lang="it-IT" dirty="0" err="1"/>
+              <a:t>proof</a:t>
+            </a:r>
+            <a:r>
+              <a:rPr lang="it-IT" dirty="0"/>
+              <a:t> of </a:t>
+            </a:r>
+            <a:r>
+              <a:rPr lang="it-IT" dirty="0" err="1"/>
+              <a:t>concept</a:t>
+            </a:r>
+            <a:endParaRPr lang="it-IT" dirty="0"/>
           </a:p>
         </p:txBody>
       </p:sp>
     </p:spTree>
     <p:extLst>
       <p:ext uri="{BB962C8B-B14F-4D97-AF65-F5344CB8AC3E}">
-        <p14:creationId xmlns:p14="http://schemas.microsoft.com/office/powerpoint/2010/main" val="3544994975"/>
+        <p14:creationId xmlns:p14="http://schemas.microsoft.com/office/powerpoint/2010/main" val="2690728532"/>
       </p:ext>
     </p:extLst>
   </p:cSld>
